--- a/PPT/Graphics Pipeline02-固定管线概述.pptx
+++ b/PPT/Graphics Pipeline02-固定管线概述.pptx
@@ -335,7 +335,7 @@
               <a:pPr>
                 <a:defRPr/>
               </a:pPr>
-              <a:t>2018/7/31</a:t>
+              <a:t>2019-06-08</a:t>
             </a:fld>
             <a:endParaRPr lang="zh-CN" altLang="en-US" sz="1200"/>
           </a:p>
@@ -4347,7 +4347,7 @@
                 <a:ea typeface="微软雅黑" panose="020B0503020204020204" pitchFamily="34" charset="-122"/>
                 <a:sym typeface="微软雅黑" panose="020B0503020204020204" pitchFamily="34" charset="-122"/>
               </a:rPr>
-              <a:t>固定管线概述</a:t>
+              <a:t>固定渲染管线</a:t>
             </a:r>
             <a:endParaRPr lang="en-US" altLang="zh-CN" sz="5400" dirty="0">
               <a:solidFill>
@@ -6899,7 +6899,6 @@
             <a:headEnd type="none" w="med" len="med"/>
             <a:tailEnd type="none" w="med" len="med"/>
           </a:ln>
-          <a:extLst/>
         </p:spPr>
         <p:style>
           <a:lnRef idx="2">
@@ -8204,7 +8203,7 @@
           <a:graphicData uri="http://schemas.openxmlformats.org/presentationml/2006/ole">
             <mc:AlternateContent xmlns:mc="http://schemas.openxmlformats.org/markup-compatibility/2006">
               <mc:Choice xmlns:v="urn:schemas-microsoft-com:vml" Requires="v">
-                <p:oleObj spid="_x0000_s1027" name="비트맵 이미지" r:id="rId4" imgW="10476190" imgH="2980952" progId="PBrush">
+                <p:oleObj spid="_x0000_s1028" name="비트맵 이미지" r:id="rId4" imgW="10476190" imgH="2980952" progId="PBrush">
                   <p:embed/>
                 </p:oleObj>
               </mc:Choice>
